--- a/图形学/review.pptx
+++ b/图形学/review.pptx
@@ -6,15 +6,17 @@
   </p:sldMasterIdLst>
   <p:sldIdLst>
     <p:sldId id="256" r:id="rId2"/>
-    <p:sldId id="257" r:id="rId3"/>
-    <p:sldId id="258" r:id="rId4"/>
-    <p:sldId id="259" r:id="rId5"/>
+    <p:sldId id="258" r:id="rId3"/>
+    <p:sldId id="259" r:id="rId4"/>
+    <p:sldId id="268" r:id="rId5"/>
     <p:sldId id="260" r:id="rId6"/>
     <p:sldId id="261" r:id="rId7"/>
     <p:sldId id="262" r:id="rId8"/>
     <p:sldId id="263" r:id="rId9"/>
     <p:sldId id="264" r:id="rId10"/>
     <p:sldId id="265" r:id="rId11"/>
+    <p:sldId id="266" r:id="rId12"/>
+    <p:sldId id="267" r:id="rId13"/>
   </p:sldIdLst>
   <p:sldSz cx="12192000" cy="6858000"/>
   <p:notesSz cx="6858000" cy="9144000"/>
@@ -113,6 +115,11 @@
       </a:defRPr>
     </a:lvl9pPr>
   </p:defaultTextStyle>
+  <p:extLst>
+    <p:ext uri="{EFAFB233-063F-42B5-8137-9DF3F51BA10A}">
+      <p15:sldGuideLst xmlns:p15="http://schemas.microsoft.com/office/powerpoint/2012/main"/>
+    </p:ext>
+  </p:extLst>
 </p:presentation>
 </file>
 
@@ -267,7 +274,7 @@
           <a:p>
             <a:fld id="{D3D8B9F7-6E4E-4D7A-98AA-3145CEF39C4B}" type="datetimeFigureOut">
               <a:rPr lang="en-US" smtClean="0"/>
-              <a:t>4/15/2018</a:t>
+              <a:t>4/16/2018</a:t>
             </a:fld>
             <a:endParaRPr lang="en-US"/>
           </a:p>
@@ -465,7 +472,7 @@
           <a:p>
             <a:fld id="{D3D8B9F7-6E4E-4D7A-98AA-3145CEF39C4B}" type="datetimeFigureOut">
               <a:rPr lang="en-US" smtClean="0"/>
-              <a:t>4/15/2018</a:t>
+              <a:t>4/16/2018</a:t>
             </a:fld>
             <a:endParaRPr lang="en-US"/>
           </a:p>
@@ -673,7 +680,7 @@
           <a:p>
             <a:fld id="{D3D8B9F7-6E4E-4D7A-98AA-3145CEF39C4B}" type="datetimeFigureOut">
               <a:rPr lang="en-US" smtClean="0"/>
-              <a:t>4/15/2018</a:t>
+              <a:t>4/16/2018</a:t>
             </a:fld>
             <a:endParaRPr lang="en-US"/>
           </a:p>
@@ -871,7 +878,7 @@
           <a:p>
             <a:fld id="{D3D8B9F7-6E4E-4D7A-98AA-3145CEF39C4B}" type="datetimeFigureOut">
               <a:rPr lang="en-US" smtClean="0"/>
-              <a:t>4/15/2018</a:t>
+              <a:t>4/16/2018</a:t>
             </a:fld>
             <a:endParaRPr lang="en-US"/>
           </a:p>
@@ -1146,7 +1153,7 @@
           <a:p>
             <a:fld id="{D3D8B9F7-6E4E-4D7A-98AA-3145CEF39C4B}" type="datetimeFigureOut">
               <a:rPr lang="en-US" smtClean="0"/>
-              <a:t>4/15/2018</a:t>
+              <a:t>4/16/2018</a:t>
             </a:fld>
             <a:endParaRPr lang="en-US"/>
           </a:p>
@@ -1411,7 +1418,7 @@
           <a:p>
             <a:fld id="{D3D8B9F7-6E4E-4D7A-98AA-3145CEF39C4B}" type="datetimeFigureOut">
               <a:rPr lang="en-US" smtClean="0"/>
-              <a:t>4/15/2018</a:t>
+              <a:t>4/16/2018</a:t>
             </a:fld>
             <a:endParaRPr lang="en-US"/>
           </a:p>
@@ -1823,7 +1830,7 @@
           <a:p>
             <a:fld id="{D3D8B9F7-6E4E-4D7A-98AA-3145CEF39C4B}" type="datetimeFigureOut">
               <a:rPr lang="en-US" smtClean="0"/>
-              <a:t>4/15/2018</a:t>
+              <a:t>4/16/2018</a:t>
             </a:fld>
             <a:endParaRPr lang="en-US"/>
           </a:p>
@@ -1964,7 +1971,7 @@
           <a:p>
             <a:fld id="{D3D8B9F7-6E4E-4D7A-98AA-3145CEF39C4B}" type="datetimeFigureOut">
               <a:rPr lang="en-US" smtClean="0"/>
-              <a:t>4/15/2018</a:t>
+              <a:t>4/16/2018</a:t>
             </a:fld>
             <a:endParaRPr lang="en-US"/>
           </a:p>
@@ -2077,7 +2084,7 @@
           <a:p>
             <a:fld id="{D3D8B9F7-6E4E-4D7A-98AA-3145CEF39C4B}" type="datetimeFigureOut">
               <a:rPr lang="en-US" smtClean="0"/>
-              <a:t>4/15/2018</a:t>
+              <a:t>4/16/2018</a:t>
             </a:fld>
             <a:endParaRPr lang="en-US"/>
           </a:p>
@@ -2388,7 +2395,7 @@
           <a:p>
             <a:fld id="{D3D8B9F7-6E4E-4D7A-98AA-3145CEF39C4B}" type="datetimeFigureOut">
               <a:rPr lang="en-US" smtClean="0"/>
-              <a:t>4/15/2018</a:t>
+              <a:t>4/16/2018</a:t>
             </a:fld>
             <a:endParaRPr lang="en-US"/>
           </a:p>
@@ -2676,7 +2683,7 @@
           <a:p>
             <a:fld id="{D3D8B9F7-6E4E-4D7A-98AA-3145CEF39C4B}" type="datetimeFigureOut">
               <a:rPr lang="en-US" smtClean="0"/>
-              <a:t>4/15/2018</a:t>
+              <a:t>4/16/2018</a:t>
             </a:fld>
             <a:endParaRPr lang="en-US"/>
           </a:p>
@@ -2917,7 +2924,7 @@
           <a:p>
             <a:fld id="{D3D8B9F7-6E4E-4D7A-98AA-3145CEF39C4B}" type="datetimeFigureOut">
               <a:rPr lang="en-US" smtClean="0"/>
-              <a:t>4/15/2018</a:t>
+              <a:t>4/16/2018</a:t>
             </a:fld>
             <a:endParaRPr lang="en-US"/>
           </a:p>
@@ -3392,8 +3399,8 @@
         </p:blipFill>
         <p:spPr>
           <a:xfrm>
-            <a:off x="0" y="1636059"/>
-            <a:ext cx="12192000" cy="3585882"/>
+            <a:off x="289169" y="1138171"/>
+            <a:ext cx="8331200" cy="2450353"/>
           </a:xfrm>
           <a:prstGeom prst="rect">
             <a:avLst/>
@@ -3662,6 +3669,282 @@
 </p:sld>
 </file>
 
+<file path=ppt/slides/slide11.xml><?xml version="1.0" encoding="utf-8"?>
+<p:sld xmlns:a="http://schemas.openxmlformats.org/drawingml/2006/main" xmlns:r="http://schemas.openxmlformats.org/officeDocument/2006/relationships" xmlns:p="http://schemas.openxmlformats.org/presentationml/2006/main">
+  <p:cSld>
+    <p:spTree>
+      <p:nvGrpSpPr>
+        <p:cNvPr id="1" name=""/>
+        <p:cNvGrpSpPr/>
+        <p:nvPr/>
+      </p:nvGrpSpPr>
+      <p:grpSpPr>
+        <a:xfrm>
+          <a:off x="0" y="0"/>
+          <a:ext cx="0" cy="0"/>
+          <a:chOff x="0" y="0"/>
+          <a:chExt cx="0" cy="0"/>
+        </a:xfrm>
+      </p:grpSpPr>
+      <p:pic>
+        <p:nvPicPr>
+          <p:cNvPr id="4" name="Picture 3">
+            <a:extLst>
+              <a:ext uri="{FF2B5EF4-FFF2-40B4-BE49-F238E27FC236}">
+                <a16:creationId xmlns:a16="http://schemas.microsoft.com/office/drawing/2014/main" id="{37C4A1F8-CBFE-4C39-8555-7352C6888F8B}"/>
+              </a:ext>
+            </a:extLst>
+          </p:cNvPr>
+          <p:cNvPicPr>
+            <a:picLocks noChangeAspect="1"/>
+          </p:cNvPicPr>
+          <p:nvPr/>
+        </p:nvPicPr>
+        <p:blipFill>
+          <a:blip r:embed="rId2"/>
+          <a:stretch>
+            <a:fillRect/>
+          </a:stretch>
+        </p:blipFill>
+        <p:spPr>
+          <a:xfrm>
+            <a:off x="604301" y="157877"/>
+            <a:ext cx="3407095" cy="2127380"/>
+          </a:xfrm>
+          <a:prstGeom prst="rect">
+            <a:avLst/>
+          </a:prstGeom>
+        </p:spPr>
+      </p:pic>
+      <p:pic>
+        <p:nvPicPr>
+          <p:cNvPr id="5" name="Picture 4">
+            <a:extLst>
+              <a:ext uri="{FF2B5EF4-FFF2-40B4-BE49-F238E27FC236}">
+                <a16:creationId xmlns:a16="http://schemas.microsoft.com/office/drawing/2014/main" id="{E8AEBA3B-7945-4B74-9DC4-DA974EF21BA1}"/>
+              </a:ext>
+            </a:extLst>
+          </p:cNvPr>
+          <p:cNvPicPr>
+            <a:picLocks noChangeAspect="1"/>
+          </p:cNvPicPr>
+          <p:nvPr/>
+        </p:nvPicPr>
+        <p:blipFill>
+          <a:blip r:embed="rId3"/>
+          <a:stretch>
+            <a:fillRect/>
+          </a:stretch>
+        </p:blipFill>
+        <p:spPr>
+          <a:xfrm>
+            <a:off x="604301" y="2836507"/>
+            <a:ext cx="3271935" cy="3135086"/>
+          </a:xfrm>
+          <a:prstGeom prst="rect">
+            <a:avLst/>
+          </a:prstGeom>
+        </p:spPr>
+      </p:pic>
+      <p:pic>
+        <p:nvPicPr>
+          <p:cNvPr id="6" name="Picture 5">
+            <a:extLst>
+              <a:ext uri="{FF2B5EF4-FFF2-40B4-BE49-F238E27FC236}">
+                <a16:creationId xmlns:a16="http://schemas.microsoft.com/office/drawing/2014/main" id="{8CEAF5F4-3D96-4754-BF88-4824DC217D81}"/>
+              </a:ext>
+            </a:extLst>
+          </p:cNvPr>
+          <p:cNvPicPr>
+            <a:picLocks noChangeAspect="1"/>
+          </p:cNvPicPr>
+          <p:nvPr/>
+        </p:nvPicPr>
+        <p:blipFill>
+          <a:blip r:embed="rId4"/>
+          <a:stretch>
+            <a:fillRect/>
+          </a:stretch>
+        </p:blipFill>
+        <p:spPr>
+          <a:xfrm>
+            <a:off x="4655976" y="157877"/>
+            <a:ext cx="2686258" cy="2426704"/>
+          </a:xfrm>
+          <a:prstGeom prst="rect">
+            <a:avLst/>
+          </a:prstGeom>
+        </p:spPr>
+      </p:pic>
+      <p:pic>
+        <p:nvPicPr>
+          <p:cNvPr id="7" name="Picture 6">
+            <a:extLst>
+              <a:ext uri="{FF2B5EF4-FFF2-40B4-BE49-F238E27FC236}">
+                <a16:creationId xmlns:a16="http://schemas.microsoft.com/office/drawing/2014/main" id="{300CB836-E304-4C6A-A706-DDF979DAA775}"/>
+              </a:ext>
+            </a:extLst>
+          </p:cNvPr>
+          <p:cNvPicPr>
+            <a:picLocks noChangeAspect="1"/>
+          </p:cNvPicPr>
+          <p:nvPr/>
+        </p:nvPicPr>
+        <p:blipFill>
+          <a:blip r:embed="rId5"/>
+          <a:stretch>
+            <a:fillRect/>
+          </a:stretch>
+        </p:blipFill>
+        <p:spPr>
+          <a:xfrm>
+            <a:off x="4777274" y="3004457"/>
+            <a:ext cx="4357649" cy="3685592"/>
+          </a:xfrm>
+          <a:prstGeom prst="rect">
+            <a:avLst/>
+          </a:prstGeom>
+        </p:spPr>
+      </p:pic>
+      <p:cxnSp>
+        <p:nvCxnSpPr>
+          <p:cNvPr id="9" name="Straight Connector 8">
+            <a:extLst>
+              <a:ext uri="{FF2B5EF4-FFF2-40B4-BE49-F238E27FC236}">
+                <a16:creationId xmlns:a16="http://schemas.microsoft.com/office/drawing/2014/main" id="{D245EE55-F9A5-429F-A011-221CF6B5D49E}"/>
+              </a:ext>
+            </a:extLst>
+          </p:cNvPr>
+          <p:cNvCxnSpPr/>
+          <p:nvPr/>
+        </p:nvCxnSpPr>
+        <p:spPr>
+          <a:xfrm flipV="1">
+            <a:off x="2957804" y="1296955"/>
+            <a:ext cx="2323323" cy="3470988"/>
+          </a:xfrm>
+          <a:prstGeom prst="line">
+            <a:avLst/>
+          </a:prstGeom>
+        </p:spPr>
+        <p:style>
+          <a:lnRef idx="1">
+            <a:schemeClr val="accent1"/>
+          </a:lnRef>
+          <a:fillRef idx="0">
+            <a:schemeClr val="accent1"/>
+          </a:fillRef>
+          <a:effectRef idx="0">
+            <a:schemeClr val="accent1"/>
+          </a:effectRef>
+          <a:fontRef idx="minor">
+            <a:schemeClr val="tx1"/>
+          </a:fontRef>
+        </p:style>
+      </p:cxnSp>
+    </p:spTree>
+    <p:extLst>
+      <p:ext uri="{BB962C8B-B14F-4D97-AF65-F5344CB8AC3E}">
+        <p14:creationId xmlns:p14="http://schemas.microsoft.com/office/powerpoint/2010/main" val="1470729388"/>
+      </p:ext>
+    </p:extLst>
+  </p:cSld>
+  <p:clrMapOvr>
+    <a:masterClrMapping/>
+  </p:clrMapOvr>
+</p:sld>
+</file>
+
+<file path=ppt/slides/slide12.xml><?xml version="1.0" encoding="utf-8"?>
+<p:sld xmlns:a="http://schemas.openxmlformats.org/drawingml/2006/main" xmlns:r="http://schemas.openxmlformats.org/officeDocument/2006/relationships" xmlns:p="http://schemas.openxmlformats.org/presentationml/2006/main">
+  <p:cSld>
+    <p:spTree>
+      <p:nvGrpSpPr>
+        <p:cNvPr id="1" name=""/>
+        <p:cNvGrpSpPr/>
+        <p:nvPr/>
+      </p:nvGrpSpPr>
+      <p:grpSpPr>
+        <a:xfrm>
+          <a:off x="0" y="0"/>
+          <a:ext cx="0" cy="0"/>
+          <a:chOff x="0" y="0"/>
+          <a:chExt cx="0" cy="0"/>
+        </a:xfrm>
+      </p:grpSpPr>
+      <p:pic>
+        <p:nvPicPr>
+          <p:cNvPr id="4" name="Picture 3">
+            <a:extLst>
+              <a:ext uri="{FF2B5EF4-FFF2-40B4-BE49-F238E27FC236}">
+                <a16:creationId xmlns:a16="http://schemas.microsoft.com/office/drawing/2014/main" id="{06223B2F-B557-4465-9224-5F883F952C92}"/>
+              </a:ext>
+            </a:extLst>
+          </p:cNvPr>
+          <p:cNvPicPr>
+            <a:picLocks noChangeAspect="1"/>
+          </p:cNvPicPr>
+          <p:nvPr/>
+        </p:nvPicPr>
+        <p:blipFill>
+          <a:blip r:embed="rId2"/>
+          <a:stretch>
+            <a:fillRect/>
+          </a:stretch>
+        </p:blipFill>
+        <p:spPr>
+          <a:xfrm>
+            <a:off x="199919" y="-1"/>
+            <a:ext cx="5773184" cy="4683967"/>
+          </a:xfrm>
+          <a:prstGeom prst="rect">
+            <a:avLst/>
+          </a:prstGeom>
+        </p:spPr>
+      </p:pic>
+      <p:pic>
+        <p:nvPicPr>
+          <p:cNvPr id="5" name="Picture 4">
+            <a:extLst>
+              <a:ext uri="{FF2B5EF4-FFF2-40B4-BE49-F238E27FC236}">
+                <a16:creationId xmlns:a16="http://schemas.microsoft.com/office/drawing/2014/main" id="{2D877819-E59B-4FE0-ABA3-01C6DB6449AF}"/>
+              </a:ext>
+            </a:extLst>
+          </p:cNvPr>
+          <p:cNvPicPr>
+            <a:picLocks noChangeAspect="1"/>
+          </p:cNvPicPr>
+          <p:nvPr/>
+        </p:nvPicPr>
+        <p:blipFill>
+          <a:blip r:embed="rId3"/>
+          <a:stretch>
+            <a:fillRect/>
+          </a:stretch>
+        </p:blipFill>
+        <p:spPr>
+          <a:xfrm>
+            <a:off x="6157392" y="3461657"/>
+            <a:ext cx="6034607" cy="3210089"/>
+          </a:xfrm>
+          <a:prstGeom prst="rect">
+            <a:avLst/>
+          </a:prstGeom>
+        </p:spPr>
+      </p:pic>
+    </p:spTree>
+    <p:extLst>
+      <p:ext uri="{BB962C8B-B14F-4D97-AF65-F5344CB8AC3E}">
+        <p14:creationId xmlns:p14="http://schemas.microsoft.com/office/powerpoint/2010/main" val="432334878"/>
+      </p:ext>
+    </p:extLst>
+  </p:cSld>
+  <p:clrMapOvr>
+    <a:masterClrMapping/>
+  </p:clrMapOvr>
+</p:sld>
+</file>
+
 <file path=ppt/slides/slide2.xml><?xml version="1.0" encoding="utf-8"?>
 <p:sld xmlns:a="http://schemas.openxmlformats.org/drawingml/2006/main" xmlns:r="http://schemas.openxmlformats.org/officeDocument/2006/relationships" xmlns:p="http://schemas.openxmlformats.org/presentationml/2006/main">
   <p:cSld>
@@ -3684,7 +3967,7 @@
           <p:cNvPr id="4" name="Picture 3">
             <a:extLst>
               <a:ext uri="{FF2B5EF4-FFF2-40B4-BE49-F238E27FC236}">
-                <a16:creationId xmlns:a16="http://schemas.microsoft.com/office/drawing/2014/main" id="{81DF305E-0ED3-4BB5-A5FB-66B5E67EC586}"/>
+                <a16:creationId xmlns:a16="http://schemas.microsoft.com/office/drawing/2014/main" id="{6D449504-203B-414B-BB1B-6A5B0E74DF4C}"/>
               </a:ext>
             </a:extLst>
           </p:cNvPr>
@@ -3701,54 +3984,18 @@
         </p:blipFill>
         <p:spPr>
           <a:xfrm>
-            <a:off x="570524" y="820446"/>
-            <a:ext cx="7916345" cy="781708"/>
+            <a:off x="421580" y="0"/>
+            <a:ext cx="11348840" cy="6858000"/>
           </a:xfrm>
           <a:prstGeom prst="rect">
             <a:avLst/>
           </a:prstGeom>
         </p:spPr>
       </p:pic>
-      <p:sp>
-        <p:nvSpPr>
-          <p:cNvPr id="5" name="TextBox 4">
-            <a:extLst>
-              <a:ext uri="{FF2B5EF4-FFF2-40B4-BE49-F238E27FC236}">
-                <a16:creationId xmlns:a16="http://schemas.microsoft.com/office/drawing/2014/main" id="{6C87F160-597F-4766-B1A8-62686C7A4E22}"/>
-              </a:ext>
-            </a:extLst>
-          </p:cNvPr>
-          <p:cNvSpPr txBox="1"/>
-          <p:nvPr/>
-        </p:nvSpPr>
-        <p:spPr>
-          <a:xfrm>
-            <a:off x="414216" y="289168"/>
-            <a:ext cx="5724644" cy="369332"/>
-          </a:xfrm>
-          <a:prstGeom prst="rect">
-            <a:avLst/>
-          </a:prstGeom>
-          <a:noFill/>
-        </p:spPr>
-        <p:txBody>
-          <a:bodyPr wrap="none" rtlCol="0">
-            <a:spAutoFit/>
-          </a:bodyPr>
-          <a:lstStyle/>
-          <a:p>
-            <a:r>
-              <a:rPr lang="zh-CN" altLang="en-US" dirty="0"/>
-              <a:t>将视见体的变换结合到透视投影的规范化变换矩阵中：</a:t>
-            </a:r>
-            <a:endParaRPr lang="en-US" dirty="0"/>
-          </a:p>
-        </p:txBody>
-      </p:sp>
     </p:spTree>
     <p:extLst>
       <p:ext uri="{BB962C8B-B14F-4D97-AF65-F5344CB8AC3E}">
-        <p14:creationId xmlns:p14="http://schemas.microsoft.com/office/powerpoint/2010/main" val="2863900469"/>
+        <p14:creationId xmlns:p14="http://schemas.microsoft.com/office/powerpoint/2010/main" val="2976515316"/>
       </p:ext>
     </p:extLst>
   </p:cSld>
@@ -3780,7 +4027,7 @@
           <p:cNvPr id="4" name="Picture 3">
             <a:extLst>
               <a:ext uri="{FF2B5EF4-FFF2-40B4-BE49-F238E27FC236}">
-                <a16:creationId xmlns:a16="http://schemas.microsoft.com/office/drawing/2014/main" id="{6D449504-203B-414B-BB1B-6A5B0E74DF4C}"/>
+                <a16:creationId xmlns:a16="http://schemas.microsoft.com/office/drawing/2014/main" id="{42788446-0504-476A-8066-949DBAF9FC9A}"/>
               </a:ext>
             </a:extLst>
           </p:cNvPr>
@@ -3797,8 +4044,8 @@
         </p:blipFill>
         <p:spPr>
           <a:xfrm>
-            <a:off x="421580" y="0"/>
-            <a:ext cx="11348840" cy="6858000"/>
+            <a:off x="0" y="932369"/>
+            <a:ext cx="12192000" cy="4993261"/>
           </a:xfrm>
           <a:prstGeom prst="rect">
             <a:avLst/>
@@ -3808,7 +4055,7 @@
     </p:spTree>
     <p:extLst>
       <p:ext uri="{BB962C8B-B14F-4D97-AF65-F5344CB8AC3E}">
-        <p14:creationId xmlns:p14="http://schemas.microsoft.com/office/powerpoint/2010/main" val="2976515316"/>
+        <p14:creationId xmlns:p14="http://schemas.microsoft.com/office/powerpoint/2010/main" val="3526444608"/>
       </p:ext>
     </p:extLst>
   </p:cSld>
@@ -3835,40 +4082,39 @@
           <a:chExt cx="0" cy="0"/>
         </a:xfrm>
       </p:grpSpPr>
-      <p:pic>
-        <p:nvPicPr>
-          <p:cNvPr id="4" name="Picture 3">
-            <a:extLst>
-              <a:ext uri="{FF2B5EF4-FFF2-40B4-BE49-F238E27FC236}">
-                <a16:creationId xmlns:a16="http://schemas.microsoft.com/office/drawing/2014/main" id="{42788446-0504-476A-8066-949DBAF9FC9A}"/>
-              </a:ext>
-            </a:extLst>
-          </p:cNvPr>
-          <p:cNvPicPr>
-            <a:picLocks noChangeAspect="1"/>
-          </p:cNvPicPr>
-          <p:nvPr/>
-        </p:nvPicPr>
-        <p:blipFill>
-          <a:blip r:embed="rId2"/>
-          <a:stretch>
-            <a:fillRect/>
-          </a:stretch>
-        </p:blipFill>
-        <p:spPr>
-          <a:xfrm>
-            <a:off x="0" y="932369"/>
-            <a:ext cx="12192000" cy="4993261"/>
-          </a:xfrm>
-          <a:prstGeom prst="rect">
-            <a:avLst/>
-          </a:prstGeom>
-        </p:spPr>
-      </p:pic>
+      <p:sp>
+        <p:nvSpPr>
+          <p:cNvPr id="2" name="Title 1">
+            <a:extLst>
+              <a:ext uri="{FF2B5EF4-FFF2-40B4-BE49-F238E27FC236}">
+                <a16:creationId xmlns:a16="http://schemas.microsoft.com/office/drawing/2014/main" id="{899E0465-A2AC-4F18-8B97-C08AC31BBB7E}"/>
+              </a:ext>
+            </a:extLst>
+          </p:cNvPr>
+          <p:cNvSpPr>
+            <a:spLocks noGrp="1"/>
+          </p:cNvSpPr>
+          <p:nvPr>
+            <p:ph type="title"/>
+          </p:nvPr>
+        </p:nvSpPr>
+        <p:spPr/>
+        <p:txBody>
+          <a:bodyPr/>
+          <a:lstStyle/>
+          <a:p>
+            <a:r>
+              <a:rPr lang="zh-CN" altLang="en-US" b="1" dirty="0"/>
+              <a:t>几何变换和投影</a:t>
+            </a:r>
+            <a:endParaRPr lang="en-US" b="1" dirty="0"/>
+          </a:p>
+        </p:txBody>
+      </p:sp>
     </p:spTree>
     <p:extLst>
       <p:ext uri="{BB962C8B-B14F-4D97-AF65-F5344CB8AC3E}">
-        <p14:creationId xmlns:p14="http://schemas.microsoft.com/office/powerpoint/2010/main" val="3526444608"/>
+        <p14:creationId xmlns:p14="http://schemas.microsoft.com/office/powerpoint/2010/main" val="2361055291"/>
       </p:ext>
     </p:extLst>
   </p:cSld>

--- a/图形学/review.pptx
+++ b/图形学/review.pptx
@@ -15,6 +15,13 @@
     <p:sldId id="263" r:id="rId9"/>
     <p:sldId id="264" r:id="rId10"/>
     <p:sldId id="265" r:id="rId11"/>
+    <p:sldId id="266" r:id="rId12"/>
+    <p:sldId id="267" r:id="rId13"/>
+    <p:sldId id="268" r:id="rId14"/>
+    <p:sldId id="269" r:id="rId15"/>
+    <p:sldId id="270" r:id="rId16"/>
+    <p:sldId id="271" r:id="rId17"/>
+    <p:sldId id="272" r:id="rId18"/>
   </p:sldIdLst>
   <p:sldSz cx="12192000" cy="6858000"/>
   <p:notesSz cx="6858000" cy="9144000"/>
@@ -113,6 +120,11 @@
       </a:defRPr>
     </a:lvl9pPr>
   </p:defaultTextStyle>
+  <p:extLst>
+    <p:ext uri="{EFAFB233-063F-42B5-8137-9DF3F51BA10A}">
+      <p15:sldGuideLst xmlns:p15="http://schemas.microsoft.com/office/powerpoint/2012/main"/>
+    </p:ext>
+  </p:extLst>
 </p:presentation>
 </file>
 
@@ -267,7 +279,7 @@
           <a:p>
             <a:fld id="{D3D8B9F7-6E4E-4D7A-98AA-3145CEF39C4B}" type="datetimeFigureOut">
               <a:rPr lang="en-US" smtClean="0"/>
-              <a:t>4/15/2018</a:t>
+              <a:t>4/17/2018</a:t>
             </a:fld>
             <a:endParaRPr lang="en-US"/>
           </a:p>
@@ -465,7 +477,7 @@
           <a:p>
             <a:fld id="{D3D8B9F7-6E4E-4D7A-98AA-3145CEF39C4B}" type="datetimeFigureOut">
               <a:rPr lang="en-US" smtClean="0"/>
-              <a:t>4/15/2018</a:t>
+              <a:t>4/17/2018</a:t>
             </a:fld>
             <a:endParaRPr lang="en-US"/>
           </a:p>
@@ -673,7 +685,7 @@
           <a:p>
             <a:fld id="{D3D8B9F7-6E4E-4D7A-98AA-3145CEF39C4B}" type="datetimeFigureOut">
               <a:rPr lang="en-US" smtClean="0"/>
-              <a:t>4/15/2018</a:t>
+              <a:t>4/17/2018</a:t>
             </a:fld>
             <a:endParaRPr lang="en-US"/>
           </a:p>
@@ -871,7 +883,7 @@
           <a:p>
             <a:fld id="{D3D8B9F7-6E4E-4D7A-98AA-3145CEF39C4B}" type="datetimeFigureOut">
               <a:rPr lang="en-US" smtClean="0"/>
-              <a:t>4/15/2018</a:t>
+              <a:t>4/17/2018</a:t>
             </a:fld>
             <a:endParaRPr lang="en-US"/>
           </a:p>
@@ -1146,7 +1158,7 @@
           <a:p>
             <a:fld id="{D3D8B9F7-6E4E-4D7A-98AA-3145CEF39C4B}" type="datetimeFigureOut">
               <a:rPr lang="en-US" smtClean="0"/>
-              <a:t>4/15/2018</a:t>
+              <a:t>4/17/2018</a:t>
             </a:fld>
             <a:endParaRPr lang="en-US"/>
           </a:p>
@@ -1411,7 +1423,7 @@
           <a:p>
             <a:fld id="{D3D8B9F7-6E4E-4D7A-98AA-3145CEF39C4B}" type="datetimeFigureOut">
               <a:rPr lang="en-US" smtClean="0"/>
-              <a:t>4/15/2018</a:t>
+              <a:t>4/17/2018</a:t>
             </a:fld>
             <a:endParaRPr lang="en-US"/>
           </a:p>
@@ -1823,7 +1835,7 @@
           <a:p>
             <a:fld id="{D3D8B9F7-6E4E-4D7A-98AA-3145CEF39C4B}" type="datetimeFigureOut">
               <a:rPr lang="en-US" smtClean="0"/>
-              <a:t>4/15/2018</a:t>
+              <a:t>4/17/2018</a:t>
             </a:fld>
             <a:endParaRPr lang="en-US"/>
           </a:p>
@@ -1964,7 +1976,7 @@
           <a:p>
             <a:fld id="{D3D8B9F7-6E4E-4D7A-98AA-3145CEF39C4B}" type="datetimeFigureOut">
               <a:rPr lang="en-US" smtClean="0"/>
-              <a:t>4/15/2018</a:t>
+              <a:t>4/17/2018</a:t>
             </a:fld>
             <a:endParaRPr lang="en-US"/>
           </a:p>
@@ -2077,7 +2089,7 @@
           <a:p>
             <a:fld id="{D3D8B9F7-6E4E-4D7A-98AA-3145CEF39C4B}" type="datetimeFigureOut">
               <a:rPr lang="en-US" smtClean="0"/>
-              <a:t>4/15/2018</a:t>
+              <a:t>4/17/2018</a:t>
             </a:fld>
             <a:endParaRPr lang="en-US"/>
           </a:p>
@@ -2388,7 +2400,7 @@
           <a:p>
             <a:fld id="{D3D8B9F7-6E4E-4D7A-98AA-3145CEF39C4B}" type="datetimeFigureOut">
               <a:rPr lang="en-US" smtClean="0"/>
-              <a:t>4/15/2018</a:t>
+              <a:t>4/17/2018</a:t>
             </a:fld>
             <a:endParaRPr lang="en-US"/>
           </a:p>
@@ -2676,7 +2688,7 @@
           <a:p>
             <a:fld id="{D3D8B9F7-6E4E-4D7A-98AA-3145CEF39C4B}" type="datetimeFigureOut">
               <a:rPr lang="en-US" smtClean="0"/>
-              <a:t>4/15/2018</a:t>
+              <a:t>4/17/2018</a:t>
             </a:fld>
             <a:endParaRPr lang="en-US"/>
           </a:p>
@@ -2917,7 +2929,7 @@
           <a:p>
             <a:fld id="{D3D8B9F7-6E4E-4D7A-98AA-3145CEF39C4B}" type="datetimeFigureOut">
               <a:rPr lang="en-US" smtClean="0"/>
-              <a:t>4/15/2018</a:t>
+              <a:t>4/17/2018</a:t>
             </a:fld>
             <a:endParaRPr lang="en-US"/>
           </a:p>
@@ -3662,6 +3674,1040 @@
 </p:sld>
 </file>
 
+<file path=ppt/slides/slide11.xml><?xml version="1.0" encoding="utf-8"?>
+<p:sld xmlns:a="http://schemas.openxmlformats.org/drawingml/2006/main" xmlns:r="http://schemas.openxmlformats.org/officeDocument/2006/relationships" xmlns:p="http://schemas.openxmlformats.org/presentationml/2006/main">
+  <p:cSld>
+    <p:spTree>
+      <p:nvGrpSpPr>
+        <p:cNvPr id="1" name=""/>
+        <p:cNvGrpSpPr/>
+        <p:nvPr/>
+      </p:nvGrpSpPr>
+      <p:grpSpPr>
+        <a:xfrm>
+          <a:off x="0" y="0"/>
+          <a:ext cx="0" cy="0"/>
+          <a:chOff x="0" y="0"/>
+          <a:chExt cx="0" cy="0"/>
+        </a:xfrm>
+      </p:grpSpPr>
+      <p:sp>
+        <p:nvSpPr>
+          <p:cNvPr id="2" name="Title 1">
+            <a:extLst>
+              <a:ext uri="{FF2B5EF4-FFF2-40B4-BE49-F238E27FC236}">
+                <a16:creationId xmlns:a16="http://schemas.microsoft.com/office/drawing/2014/main" id="{FA85B63E-D20D-4C6A-BF74-5DC930015607}"/>
+              </a:ext>
+            </a:extLst>
+          </p:cNvPr>
+          <p:cNvSpPr>
+            <a:spLocks noGrp="1"/>
+          </p:cNvSpPr>
+          <p:nvPr>
+            <p:ph type="title"/>
+          </p:nvPr>
+        </p:nvSpPr>
+        <p:spPr>
+          <a:xfrm>
+            <a:off x="838200" y="365125"/>
+            <a:ext cx="10515600" cy="1325563"/>
+          </a:xfrm>
+        </p:spPr>
+        <p:txBody>
+          <a:bodyPr/>
+          <a:lstStyle/>
+          <a:p>
+            <a:r>
+              <a:rPr lang="en-US" altLang="zh-CN" dirty="0"/>
+              <a:t>3D</a:t>
+            </a:r>
+            <a:r>
+              <a:rPr lang="zh-CN" altLang="en-US" dirty="0"/>
+              <a:t>图形流水线</a:t>
+            </a:r>
+          </a:p>
+        </p:txBody>
+      </p:sp>
+    </p:spTree>
+    <p:extLst>
+      <p:ext uri="{BB962C8B-B14F-4D97-AF65-F5344CB8AC3E}">
+        <p14:creationId xmlns:p14="http://schemas.microsoft.com/office/powerpoint/2010/main" val="171716529"/>
+      </p:ext>
+    </p:extLst>
+  </p:cSld>
+  <p:clrMapOvr>
+    <a:masterClrMapping/>
+  </p:clrMapOvr>
+</p:sld>
+</file>
+
+<file path=ppt/slides/slide12.xml><?xml version="1.0" encoding="utf-8"?>
+<p:sld xmlns:a="http://schemas.openxmlformats.org/drawingml/2006/main" xmlns:r="http://schemas.openxmlformats.org/officeDocument/2006/relationships" xmlns:p="http://schemas.openxmlformats.org/presentationml/2006/main">
+  <p:cSld>
+    <p:spTree>
+      <p:nvGrpSpPr>
+        <p:cNvPr id="1" name=""/>
+        <p:cNvGrpSpPr/>
+        <p:nvPr/>
+      </p:nvGrpSpPr>
+      <p:grpSpPr>
+        <a:xfrm>
+          <a:off x="0" y="0"/>
+          <a:ext cx="0" cy="0"/>
+          <a:chOff x="0" y="0"/>
+          <a:chExt cx="0" cy="0"/>
+        </a:xfrm>
+      </p:grpSpPr>
+      <p:pic>
+        <p:nvPicPr>
+          <p:cNvPr id="4" name="Picture 3">
+            <a:extLst>
+              <a:ext uri="{FF2B5EF4-FFF2-40B4-BE49-F238E27FC236}">
+                <a16:creationId xmlns:a16="http://schemas.microsoft.com/office/drawing/2014/main" id="{AE22CB9E-6DA3-490B-827C-6CB0CD2612EB}"/>
+              </a:ext>
+            </a:extLst>
+          </p:cNvPr>
+          <p:cNvPicPr>
+            <a:picLocks noChangeAspect="1"/>
+          </p:cNvPicPr>
+          <p:nvPr/>
+        </p:nvPicPr>
+        <p:blipFill>
+          <a:blip r:embed="rId2"/>
+          <a:stretch>
+            <a:fillRect/>
+          </a:stretch>
+        </p:blipFill>
+        <p:spPr>
+          <a:xfrm>
+            <a:off x="681715" y="171857"/>
+            <a:ext cx="4309386" cy="2592454"/>
+          </a:xfrm>
+          <a:prstGeom prst="rect">
+            <a:avLst/>
+          </a:prstGeom>
+        </p:spPr>
+      </p:pic>
+      <p:pic>
+        <p:nvPicPr>
+          <p:cNvPr id="5" name="Picture 4">
+            <a:extLst>
+              <a:ext uri="{FF2B5EF4-FFF2-40B4-BE49-F238E27FC236}">
+                <a16:creationId xmlns:a16="http://schemas.microsoft.com/office/drawing/2014/main" id="{BD4EB1CE-94D4-490D-BF68-12A1FAB587E6}"/>
+              </a:ext>
+            </a:extLst>
+          </p:cNvPr>
+          <p:cNvPicPr>
+            <a:picLocks noChangeAspect="1"/>
+          </p:cNvPicPr>
+          <p:nvPr/>
+        </p:nvPicPr>
+        <p:blipFill>
+          <a:blip r:embed="rId3"/>
+          <a:stretch>
+            <a:fillRect/>
+          </a:stretch>
+        </p:blipFill>
+        <p:spPr>
+          <a:xfrm>
+            <a:off x="6114831" y="383268"/>
+            <a:ext cx="5514714" cy="2381043"/>
+          </a:xfrm>
+          <a:prstGeom prst="rect">
+            <a:avLst/>
+          </a:prstGeom>
+        </p:spPr>
+      </p:pic>
+      <p:cxnSp>
+        <p:nvCxnSpPr>
+          <p:cNvPr id="7" name="Straight Arrow Connector 6">
+            <a:extLst>
+              <a:ext uri="{FF2B5EF4-FFF2-40B4-BE49-F238E27FC236}">
+                <a16:creationId xmlns:a16="http://schemas.microsoft.com/office/drawing/2014/main" id="{36C648F0-94AC-4E76-9E97-0CFE53F5099C}"/>
+              </a:ext>
+            </a:extLst>
+          </p:cNvPr>
+          <p:cNvCxnSpPr>
+            <a:cxnSpLocks/>
+          </p:cNvCxnSpPr>
+          <p:nvPr/>
+        </p:nvCxnSpPr>
+        <p:spPr>
+          <a:xfrm>
+            <a:off x="4991101" y="2533650"/>
+            <a:ext cx="2657474" cy="0"/>
+          </a:xfrm>
+          <a:prstGeom prst="straightConnector1">
+            <a:avLst/>
+          </a:prstGeom>
+          <a:ln>
+            <a:tailEnd type="triangle"/>
+          </a:ln>
+        </p:spPr>
+        <p:style>
+          <a:lnRef idx="1">
+            <a:schemeClr val="accent1"/>
+          </a:lnRef>
+          <a:fillRef idx="0">
+            <a:schemeClr val="accent1"/>
+          </a:fillRef>
+          <a:effectRef idx="0">
+            <a:schemeClr val="accent1"/>
+          </a:effectRef>
+          <a:fontRef idx="minor">
+            <a:schemeClr val="tx1"/>
+          </a:fontRef>
+        </p:style>
+      </p:cxnSp>
+    </p:spTree>
+    <p:extLst>
+      <p:ext uri="{BB962C8B-B14F-4D97-AF65-F5344CB8AC3E}">
+        <p14:creationId xmlns:p14="http://schemas.microsoft.com/office/powerpoint/2010/main" val="290026998"/>
+      </p:ext>
+    </p:extLst>
+  </p:cSld>
+  <p:clrMapOvr>
+    <a:masterClrMapping/>
+  </p:clrMapOvr>
+</p:sld>
+</file>
+
+<file path=ppt/slides/slide13.xml><?xml version="1.0" encoding="utf-8"?>
+<p:sld xmlns:a="http://schemas.openxmlformats.org/drawingml/2006/main" xmlns:r="http://schemas.openxmlformats.org/officeDocument/2006/relationships" xmlns:p="http://schemas.openxmlformats.org/presentationml/2006/main">
+  <p:cSld>
+    <p:spTree>
+      <p:nvGrpSpPr>
+        <p:cNvPr id="1" name=""/>
+        <p:cNvGrpSpPr/>
+        <p:nvPr/>
+      </p:nvGrpSpPr>
+      <p:grpSpPr>
+        <a:xfrm>
+          <a:off x="0" y="0"/>
+          <a:ext cx="0" cy="0"/>
+          <a:chOff x="0" y="0"/>
+          <a:chExt cx="0" cy="0"/>
+        </a:xfrm>
+      </p:grpSpPr>
+      <p:sp>
+        <p:nvSpPr>
+          <p:cNvPr id="15" name="Oval 14">
+            <a:extLst>
+              <a:ext uri="{FF2B5EF4-FFF2-40B4-BE49-F238E27FC236}">
+                <a16:creationId xmlns:a16="http://schemas.microsoft.com/office/drawing/2014/main" id="{9A070162-45A7-4FCE-B2E4-41E921D90B53}"/>
+              </a:ext>
+            </a:extLst>
+          </p:cNvPr>
+          <p:cNvSpPr/>
+          <p:nvPr/>
+        </p:nvSpPr>
+        <p:spPr>
+          <a:xfrm>
+            <a:off x="-81109" y="4023898"/>
+            <a:ext cx="5419725" cy="2019359"/>
+          </a:xfrm>
+          <a:prstGeom prst="ellipse">
+            <a:avLst/>
+          </a:prstGeom>
+        </p:spPr>
+        <p:style>
+          <a:lnRef idx="2">
+            <a:schemeClr val="dk1"/>
+          </a:lnRef>
+          <a:fillRef idx="1">
+            <a:schemeClr val="lt1"/>
+          </a:fillRef>
+          <a:effectRef idx="0">
+            <a:schemeClr val="dk1"/>
+          </a:effectRef>
+          <a:fontRef idx="minor">
+            <a:schemeClr val="dk1"/>
+          </a:fontRef>
+        </p:style>
+        <p:txBody>
+          <a:bodyPr rtlCol="0" anchor="ctr"/>
+          <a:lstStyle/>
+          <a:p>
+            <a:pPr algn="ctr"/>
+            <a:endParaRPr lang="zh-CN" altLang="en-US"/>
+          </a:p>
+        </p:txBody>
+      </p:sp>
+      <p:pic>
+        <p:nvPicPr>
+          <p:cNvPr id="4" name="Picture 3">
+            <a:extLst>
+              <a:ext uri="{FF2B5EF4-FFF2-40B4-BE49-F238E27FC236}">
+                <a16:creationId xmlns:a16="http://schemas.microsoft.com/office/drawing/2014/main" id="{0FCC8EF3-49EB-4659-884A-190FB632E031}"/>
+              </a:ext>
+            </a:extLst>
+          </p:cNvPr>
+          <p:cNvPicPr>
+            <a:picLocks noChangeAspect="1"/>
+          </p:cNvPicPr>
+          <p:nvPr/>
+        </p:nvPicPr>
+        <p:blipFill>
+          <a:blip r:embed="rId2"/>
+          <a:stretch>
+            <a:fillRect/>
+          </a:stretch>
+        </p:blipFill>
+        <p:spPr>
+          <a:xfrm>
+            <a:off x="0" y="0"/>
+            <a:ext cx="4714216" cy="4023898"/>
+          </a:xfrm>
+          <a:prstGeom prst="rect">
+            <a:avLst/>
+          </a:prstGeom>
+        </p:spPr>
+      </p:pic>
+      <p:pic>
+        <p:nvPicPr>
+          <p:cNvPr id="5" name="Picture 4">
+            <a:extLst>
+              <a:ext uri="{FF2B5EF4-FFF2-40B4-BE49-F238E27FC236}">
+                <a16:creationId xmlns:a16="http://schemas.microsoft.com/office/drawing/2014/main" id="{BEF1C94D-4294-4F55-8177-603F7695695F}"/>
+              </a:ext>
+            </a:extLst>
+          </p:cNvPr>
+          <p:cNvPicPr>
+            <a:picLocks noChangeAspect="1"/>
+          </p:cNvPicPr>
+          <p:nvPr/>
+        </p:nvPicPr>
+        <p:blipFill>
+          <a:blip r:embed="rId3"/>
+          <a:stretch>
+            <a:fillRect/>
+          </a:stretch>
+        </p:blipFill>
+        <p:spPr>
+          <a:xfrm>
+            <a:off x="5262935" y="186093"/>
+            <a:ext cx="2685605" cy="2557107"/>
+          </a:xfrm>
+          <a:prstGeom prst="rect">
+            <a:avLst/>
+          </a:prstGeom>
+        </p:spPr>
+      </p:pic>
+      <p:pic>
+        <p:nvPicPr>
+          <p:cNvPr id="6" name="Picture 5">
+            <a:extLst>
+              <a:ext uri="{FF2B5EF4-FFF2-40B4-BE49-F238E27FC236}">
+                <a16:creationId xmlns:a16="http://schemas.microsoft.com/office/drawing/2014/main" id="{B40B8367-EC91-48EB-89F0-2F01A3C9D643}"/>
+              </a:ext>
+            </a:extLst>
+          </p:cNvPr>
+          <p:cNvPicPr>
+            <a:picLocks noChangeAspect="1"/>
+          </p:cNvPicPr>
+          <p:nvPr/>
+        </p:nvPicPr>
+        <p:blipFill>
+          <a:blip r:embed="rId4"/>
+          <a:stretch>
+            <a:fillRect/>
+          </a:stretch>
+        </p:blipFill>
+        <p:spPr>
+          <a:xfrm>
+            <a:off x="5262935" y="3000375"/>
+            <a:ext cx="4427080" cy="2509552"/>
+          </a:xfrm>
+          <a:prstGeom prst="rect">
+            <a:avLst/>
+          </a:prstGeom>
+        </p:spPr>
+      </p:pic>
+      <p:pic>
+        <p:nvPicPr>
+          <p:cNvPr id="7" name="Picture 6">
+            <a:extLst>
+              <a:ext uri="{FF2B5EF4-FFF2-40B4-BE49-F238E27FC236}">
+                <a16:creationId xmlns:a16="http://schemas.microsoft.com/office/drawing/2014/main" id="{342EC81B-890F-45B0-8537-05FA9D75F24C}"/>
+              </a:ext>
+            </a:extLst>
+          </p:cNvPr>
+          <p:cNvPicPr>
+            <a:picLocks noChangeAspect="1"/>
+          </p:cNvPicPr>
+          <p:nvPr/>
+        </p:nvPicPr>
+        <p:blipFill>
+          <a:blip r:embed="rId5"/>
+          <a:stretch>
+            <a:fillRect/>
+          </a:stretch>
+        </p:blipFill>
+        <p:spPr>
+          <a:xfrm>
+            <a:off x="8296275" y="395659"/>
+            <a:ext cx="3700046" cy="3297752"/>
+          </a:xfrm>
+          <a:prstGeom prst="rect">
+            <a:avLst/>
+          </a:prstGeom>
+        </p:spPr>
+      </p:pic>
+      <p:cxnSp>
+        <p:nvCxnSpPr>
+          <p:cNvPr id="9" name="Straight Arrow Connector 8">
+            <a:extLst>
+              <a:ext uri="{FF2B5EF4-FFF2-40B4-BE49-F238E27FC236}">
+                <a16:creationId xmlns:a16="http://schemas.microsoft.com/office/drawing/2014/main" id="{A3271CEB-4FCD-434C-8053-20171694B412}"/>
+              </a:ext>
+            </a:extLst>
+          </p:cNvPr>
+          <p:cNvCxnSpPr/>
+          <p:nvPr/>
+        </p:nvCxnSpPr>
+        <p:spPr>
+          <a:xfrm flipV="1">
+            <a:off x="4076700" y="695325"/>
+            <a:ext cx="1666875" cy="981075"/>
+          </a:xfrm>
+          <a:prstGeom prst="straightConnector1">
+            <a:avLst/>
+          </a:prstGeom>
+          <a:ln>
+            <a:tailEnd type="triangle"/>
+          </a:ln>
+        </p:spPr>
+        <p:style>
+          <a:lnRef idx="1">
+            <a:schemeClr val="accent1"/>
+          </a:lnRef>
+          <a:fillRef idx="0">
+            <a:schemeClr val="accent1"/>
+          </a:fillRef>
+          <a:effectRef idx="0">
+            <a:schemeClr val="accent1"/>
+          </a:effectRef>
+          <a:fontRef idx="minor">
+            <a:schemeClr val="tx1"/>
+          </a:fontRef>
+        </p:style>
+      </p:cxnSp>
+      <p:cxnSp>
+        <p:nvCxnSpPr>
+          <p:cNvPr id="11" name="Straight Arrow Connector 10">
+            <a:extLst>
+              <a:ext uri="{FF2B5EF4-FFF2-40B4-BE49-F238E27FC236}">
+                <a16:creationId xmlns:a16="http://schemas.microsoft.com/office/drawing/2014/main" id="{376CB4E7-D276-4DAD-9A9F-9C29A9F49F14}"/>
+              </a:ext>
+            </a:extLst>
+          </p:cNvPr>
+          <p:cNvCxnSpPr/>
+          <p:nvPr/>
+        </p:nvCxnSpPr>
+        <p:spPr>
+          <a:xfrm>
+            <a:off x="3934691" y="1911927"/>
+            <a:ext cx="1551709" cy="1551709"/>
+          </a:xfrm>
+          <a:prstGeom prst="straightConnector1">
+            <a:avLst/>
+          </a:prstGeom>
+          <a:ln>
+            <a:tailEnd type="triangle"/>
+          </a:ln>
+        </p:spPr>
+        <p:style>
+          <a:lnRef idx="1">
+            <a:schemeClr val="accent1"/>
+          </a:lnRef>
+          <a:fillRef idx="0">
+            <a:schemeClr val="accent1"/>
+          </a:fillRef>
+          <a:effectRef idx="0">
+            <a:schemeClr val="accent1"/>
+          </a:effectRef>
+          <a:fontRef idx="minor">
+            <a:schemeClr val="tx1"/>
+          </a:fontRef>
+        </p:style>
+      </p:cxnSp>
+      <p:cxnSp>
+        <p:nvCxnSpPr>
+          <p:cNvPr id="13" name="Straight Arrow Connector 12">
+            <a:extLst>
+              <a:ext uri="{FF2B5EF4-FFF2-40B4-BE49-F238E27FC236}">
+                <a16:creationId xmlns:a16="http://schemas.microsoft.com/office/drawing/2014/main" id="{77FF6753-3312-4FFD-BBC0-CC46174361C0}"/>
+              </a:ext>
+            </a:extLst>
+          </p:cNvPr>
+          <p:cNvCxnSpPr/>
+          <p:nvPr/>
+        </p:nvCxnSpPr>
+        <p:spPr>
+          <a:xfrm flipV="1">
+            <a:off x="4165600" y="1136073"/>
+            <a:ext cx="5052291" cy="1049559"/>
+          </a:xfrm>
+          <a:prstGeom prst="straightConnector1">
+            <a:avLst/>
+          </a:prstGeom>
+          <a:ln>
+            <a:tailEnd type="triangle"/>
+          </a:ln>
+        </p:spPr>
+        <p:style>
+          <a:lnRef idx="1">
+            <a:schemeClr val="accent1"/>
+          </a:lnRef>
+          <a:fillRef idx="0">
+            <a:schemeClr val="accent1"/>
+          </a:fillRef>
+          <a:effectRef idx="0">
+            <a:schemeClr val="accent1"/>
+          </a:effectRef>
+          <a:fontRef idx="minor">
+            <a:schemeClr val="tx1"/>
+          </a:fontRef>
+        </p:style>
+      </p:cxnSp>
+      <p:pic>
+        <p:nvPicPr>
+          <p:cNvPr id="14" name="Picture 13">
+            <a:extLst>
+              <a:ext uri="{FF2B5EF4-FFF2-40B4-BE49-F238E27FC236}">
+                <a16:creationId xmlns:a16="http://schemas.microsoft.com/office/drawing/2014/main" id="{7FE1BF36-5558-440B-984B-5BD7404271F5}"/>
+              </a:ext>
+            </a:extLst>
+          </p:cNvPr>
+          <p:cNvPicPr>
+            <a:picLocks noChangeAspect="1"/>
+          </p:cNvPicPr>
+          <p:nvPr/>
+        </p:nvPicPr>
+        <p:blipFill>
+          <a:blip r:embed="rId6"/>
+          <a:stretch>
+            <a:fillRect/>
+          </a:stretch>
+        </p:blipFill>
+        <p:spPr>
+          <a:xfrm>
+            <a:off x="386869" y="4664963"/>
+            <a:ext cx="4671048" cy="862221"/>
+          </a:xfrm>
+          <a:prstGeom prst="rect">
+            <a:avLst/>
+          </a:prstGeom>
+        </p:spPr>
+      </p:pic>
+    </p:spTree>
+    <p:extLst>
+      <p:ext uri="{BB962C8B-B14F-4D97-AF65-F5344CB8AC3E}">
+        <p14:creationId xmlns:p14="http://schemas.microsoft.com/office/powerpoint/2010/main" val="1296295665"/>
+      </p:ext>
+    </p:extLst>
+  </p:cSld>
+  <p:clrMapOvr>
+    <a:masterClrMapping/>
+  </p:clrMapOvr>
+</p:sld>
+</file>
+
+<file path=ppt/slides/slide14.xml><?xml version="1.0" encoding="utf-8"?>
+<p:sld xmlns:a="http://schemas.openxmlformats.org/drawingml/2006/main" xmlns:r="http://schemas.openxmlformats.org/officeDocument/2006/relationships" xmlns:p="http://schemas.openxmlformats.org/presentationml/2006/main">
+  <p:cSld>
+    <p:spTree>
+      <p:nvGrpSpPr>
+        <p:cNvPr id="1" name=""/>
+        <p:cNvGrpSpPr/>
+        <p:nvPr/>
+      </p:nvGrpSpPr>
+      <p:grpSpPr>
+        <a:xfrm>
+          <a:off x="0" y="0"/>
+          <a:ext cx="0" cy="0"/>
+          <a:chOff x="0" y="0"/>
+          <a:chExt cx="0" cy="0"/>
+        </a:xfrm>
+      </p:grpSpPr>
+      <p:pic>
+        <p:nvPicPr>
+          <p:cNvPr id="4" name="Picture 3">
+            <a:extLst>
+              <a:ext uri="{FF2B5EF4-FFF2-40B4-BE49-F238E27FC236}">
+                <a16:creationId xmlns:a16="http://schemas.microsoft.com/office/drawing/2014/main" id="{977F95D0-2F06-41CB-AC76-BCD932766753}"/>
+              </a:ext>
+            </a:extLst>
+          </p:cNvPr>
+          <p:cNvPicPr>
+            <a:picLocks noChangeAspect="1"/>
+          </p:cNvPicPr>
+          <p:nvPr/>
+        </p:nvPicPr>
+        <p:blipFill>
+          <a:blip r:embed="rId2"/>
+          <a:stretch>
+            <a:fillRect/>
+          </a:stretch>
+        </p:blipFill>
+        <p:spPr>
+          <a:xfrm>
+            <a:off x="652953" y="100376"/>
+            <a:ext cx="5557347" cy="4115805"/>
+          </a:xfrm>
+          <a:prstGeom prst="rect">
+            <a:avLst/>
+          </a:prstGeom>
+        </p:spPr>
+      </p:pic>
+      <p:pic>
+        <p:nvPicPr>
+          <p:cNvPr id="5" name="Picture 4">
+            <a:extLst>
+              <a:ext uri="{FF2B5EF4-FFF2-40B4-BE49-F238E27FC236}">
+                <a16:creationId xmlns:a16="http://schemas.microsoft.com/office/drawing/2014/main" id="{D65D62CE-88F1-4F13-B0A0-74DA641B994F}"/>
+              </a:ext>
+            </a:extLst>
+          </p:cNvPr>
+          <p:cNvPicPr>
+            <a:picLocks noChangeAspect="1"/>
+          </p:cNvPicPr>
+          <p:nvPr/>
+        </p:nvPicPr>
+        <p:blipFill>
+          <a:blip r:embed="rId3"/>
+          <a:stretch>
+            <a:fillRect/>
+          </a:stretch>
+        </p:blipFill>
+        <p:spPr>
+          <a:xfrm>
+            <a:off x="1242456" y="4216182"/>
+            <a:ext cx="4815444" cy="1859082"/>
+          </a:xfrm>
+          <a:prstGeom prst="rect">
+            <a:avLst/>
+          </a:prstGeom>
+        </p:spPr>
+      </p:pic>
+      <p:sp>
+        <p:nvSpPr>
+          <p:cNvPr id="6" name="Rectangle 5">
+            <a:extLst>
+              <a:ext uri="{FF2B5EF4-FFF2-40B4-BE49-F238E27FC236}">
+                <a16:creationId xmlns:a16="http://schemas.microsoft.com/office/drawing/2014/main" id="{066AC040-67C0-4EA4-8D98-8E9E2BEE4BF5}"/>
+              </a:ext>
+            </a:extLst>
+          </p:cNvPr>
+          <p:cNvSpPr/>
+          <p:nvPr/>
+        </p:nvSpPr>
+        <p:spPr>
+          <a:xfrm>
+            <a:off x="374101" y="762866"/>
+            <a:ext cx="6115050" cy="1047750"/>
+          </a:xfrm>
+          <a:prstGeom prst="rect">
+            <a:avLst/>
+          </a:prstGeom>
+          <a:noFill/>
+        </p:spPr>
+        <p:style>
+          <a:lnRef idx="2">
+            <a:schemeClr val="accent2"/>
+          </a:lnRef>
+          <a:fillRef idx="1">
+            <a:schemeClr val="lt1"/>
+          </a:fillRef>
+          <a:effectRef idx="0">
+            <a:schemeClr val="accent2"/>
+          </a:effectRef>
+          <a:fontRef idx="minor">
+            <a:schemeClr val="dk1"/>
+          </a:fontRef>
+        </p:style>
+        <p:txBody>
+          <a:bodyPr rtlCol="0" anchor="ctr"/>
+          <a:lstStyle/>
+          <a:p>
+            <a:pPr algn="ctr"/>
+            <a:endParaRPr lang="zh-CN" altLang="en-US"/>
+          </a:p>
+        </p:txBody>
+      </p:sp>
+      <p:pic>
+        <p:nvPicPr>
+          <p:cNvPr id="7" name="Picture 6">
+            <a:extLst>
+              <a:ext uri="{FF2B5EF4-FFF2-40B4-BE49-F238E27FC236}">
+                <a16:creationId xmlns:a16="http://schemas.microsoft.com/office/drawing/2014/main" id="{A6B25044-8159-4454-915C-20E3A543186D}"/>
+              </a:ext>
+            </a:extLst>
+          </p:cNvPr>
+          <p:cNvPicPr>
+            <a:picLocks noChangeAspect="1"/>
+          </p:cNvPicPr>
+          <p:nvPr/>
+        </p:nvPicPr>
+        <p:blipFill>
+          <a:blip r:embed="rId4"/>
+          <a:stretch>
+            <a:fillRect/>
+          </a:stretch>
+        </p:blipFill>
+        <p:spPr>
+          <a:xfrm>
+            <a:off x="6647403" y="100376"/>
+            <a:ext cx="5140874" cy="6233749"/>
+          </a:xfrm>
+          <a:prstGeom prst="rect">
+            <a:avLst/>
+          </a:prstGeom>
+        </p:spPr>
+      </p:pic>
+    </p:spTree>
+    <p:extLst>
+      <p:ext uri="{BB962C8B-B14F-4D97-AF65-F5344CB8AC3E}">
+        <p14:creationId xmlns:p14="http://schemas.microsoft.com/office/powerpoint/2010/main" val="2615380047"/>
+      </p:ext>
+    </p:extLst>
+  </p:cSld>
+  <p:clrMapOvr>
+    <a:masterClrMapping/>
+  </p:clrMapOvr>
+</p:sld>
+</file>
+
+<file path=ppt/slides/slide15.xml><?xml version="1.0" encoding="utf-8"?>
+<p:sld xmlns:a="http://schemas.openxmlformats.org/drawingml/2006/main" xmlns:r="http://schemas.openxmlformats.org/officeDocument/2006/relationships" xmlns:p="http://schemas.openxmlformats.org/presentationml/2006/main">
+  <p:cSld>
+    <p:spTree>
+      <p:nvGrpSpPr>
+        <p:cNvPr id="1" name=""/>
+        <p:cNvGrpSpPr/>
+        <p:nvPr/>
+      </p:nvGrpSpPr>
+      <p:grpSpPr>
+        <a:xfrm>
+          <a:off x="0" y="0"/>
+          <a:ext cx="0" cy="0"/>
+          <a:chOff x="0" y="0"/>
+          <a:chExt cx="0" cy="0"/>
+        </a:xfrm>
+      </p:grpSpPr>
+      <p:pic>
+        <p:nvPicPr>
+          <p:cNvPr id="4" name="Picture 3">
+            <a:extLst>
+              <a:ext uri="{FF2B5EF4-FFF2-40B4-BE49-F238E27FC236}">
+                <a16:creationId xmlns:a16="http://schemas.microsoft.com/office/drawing/2014/main" id="{F9DBEEC0-230B-45DD-83AB-74768E020479}"/>
+              </a:ext>
+            </a:extLst>
+          </p:cNvPr>
+          <p:cNvPicPr>
+            <a:picLocks noChangeAspect="1"/>
+          </p:cNvPicPr>
+          <p:nvPr/>
+        </p:nvPicPr>
+        <p:blipFill>
+          <a:blip r:embed="rId2"/>
+          <a:stretch>
+            <a:fillRect/>
+          </a:stretch>
+        </p:blipFill>
+        <p:spPr>
+          <a:xfrm>
+            <a:off x="715040" y="229009"/>
+            <a:ext cx="5670682" cy="3485742"/>
+          </a:xfrm>
+          <a:prstGeom prst="rect">
+            <a:avLst/>
+          </a:prstGeom>
+        </p:spPr>
+      </p:pic>
+      <p:pic>
+        <p:nvPicPr>
+          <p:cNvPr id="5" name="Picture 4">
+            <a:extLst>
+              <a:ext uri="{FF2B5EF4-FFF2-40B4-BE49-F238E27FC236}">
+                <a16:creationId xmlns:a16="http://schemas.microsoft.com/office/drawing/2014/main" id="{500BC06F-8B48-48F3-89B1-F030FB14BAAE}"/>
+              </a:ext>
+            </a:extLst>
+          </p:cNvPr>
+          <p:cNvPicPr>
+            <a:picLocks noChangeAspect="1"/>
+          </p:cNvPicPr>
+          <p:nvPr/>
+        </p:nvPicPr>
+        <p:blipFill>
+          <a:blip r:embed="rId3"/>
+          <a:stretch>
+            <a:fillRect/>
+          </a:stretch>
+        </p:blipFill>
+        <p:spPr>
+          <a:xfrm>
+            <a:off x="2748340" y="3143250"/>
+            <a:ext cx="3221300" cy="2371447"/>
+          </a:xfrm>
+          <a:prstGeom prst="rect">
+            <a:avLst/>
+          </a:prstGeom>
+        </p:spPr>
+      </p:pic>
+      <p:pic>
+        <p:nvPicPr>
+          <p:cNvPr id="6" name="Picture 5">
+            <a:extLst>
+              <a:ext uri="{FF2B5EF4-FFF2-40B4-BE49-F238E27FC236}">
+                <a16:creationId xmlns:a16="http://schemas.microsoft.com/office/drawing/2014/main" id="{0293F7C3-8C43-4AFD-9E4E-AEC6E33FA252}"/>
+              </a:ext>
+            </a:extLst>
+          </p:cNvPr>
+          <p:cNvPicPr>
+            <a:picLocks noChangeAspect="1"/>
+          </p:cNvPicPr>
+          <p:nvPr/>
+        </p:nvPicPr>
+        <p:blipFill>
+          <a:blip r:embed="rId4"/>
+          <a:stretch>
+            <a:fillRect/>
+          </a:stretch>
+        </p:blipFill>
+        <p:spPr>
+          <a:xfrm>
+            <a:off x="6385722" y="1467030"/>
+            <a:ext cx="5495925" cy="2009595"/>
+          </a:xfrm>
+          <a:prstGeom prst="rect">
+            <a:avLst/>
+          </a:prstGeom>
+        </p:spPr>
+      </p:pic>
+    </p:spTree>
+    <p:extLst>
+      <p:ext uri="{BB962C8B-B14F-4D97-AF65-F5344CB8AC3E}">
+        <p14:creationId xmlns:p14="http://schemas.microsoft.com/office/powerpoint/2010/main" val="3678512057"/>
+      </p:ext>
+    </p:extLst>
+  </p:cSld>
+  <p:clrMapOvr>
+    <a:masterClrMapping/>
+  </p:clrMapOvr>
+</p:sld>
+</file>
+
+<file path=ppt/slides/slide16.xml><?xml version="1.0" encoding="utf-8"?>
+<p:sld xmlns:a="http://schemas.openxmlformats.org/drawingml/2006/main" xmlns:r="http://schemas.openxmlformats.org/officeDocument/2006/relationships" xmlns:p="http://schemas.openxmlformats.org/presentationml/2006/main">
+  <p:cSld>
+    <p:spTree>
+      <p:nvGrpSpPr>
+        <p:cNvPr id="1" name=""/>
+        <p:cNvGrpSpPr/>
+        <p:nvPr/>
+      </p:nvGrpSpPr>
+      <p:grpSpPr>
+        <a:xfrm>
+          <a:off x="0" y="0"/>
+          <a:ext cx="0" cy="0"/>
+          <a:chOff x="0" y="0"/>
+          <a:chExt cx="0" cy="0"/>
+        </a:xfrm>
+      </p:grpSpPr>
+      <p:pic>
+        <p:nvPicPr>
+          <p:cNvPr id="4" name="Picture 3">
+            <a:extLst>
+              <a:ext uri="{FF2B5EF4-FFF2-40B4-BE49-F238E27FC236}">
+                <a16:creationId xmlns:a16="http://schemas.microsoft.com/office/drawing/2014/main" id="{6A44D8D8-0B95-41BE-BCFE-FE15FD3123D6}"/>
+              </a:ext>
+            </a:extLst>
+          </p:cNvPr>
+          <p:cNvPicPr>
+            <a:picLocks noChangeAspect="1"/>
+          </p:cNvPicPr>
+          <p:nvPr/>
+        </p:nvPicPr>
+        <p:blipFill>
+          <a:blip r:embed="rId2"/>
+          <a:stretch>
+            <a:fillRect/>
+          </a:stretch>
+        </p:blipFill>
+        <p:spPr>
+          <a:xfrm>
+            <a:off x="591238" y="238524"/>
+            <a:ext cx="6063524" cy="3514326"/>
+          </a:xfrm>
+          <a:prstGeom prst="rect">
+            <a:avLst/>
+          </a:prstGeom>
+        </p:spPr>
+      </p:pic>
+      <p:pic>
+        <p:nvPicPr>
+          <p:cNvPr id="5" name="Picture 4">
+            <a:extLst>
+              <a:ext uri="{FF2B5EF4-FFF2-40B4-BE49-F238E27FC236}">
+                <a16:creationId xmlns:a16="http://schemas.microsoft.com/office/drawing/2014/main" id="{23FD9E27-8424-4E30-BECA-9DB66E99B60C}"/>
+              </a:ext>
+            </a:extLst>
+          </p:cNvPr>
+          <p:cNvPicPr>
+            <a:picLocks noChangeAspect="1"/>
+          </p:cNvPicPr>
+          <p:nvPr/>
+        </p:nvPicPr>
+        <p:blipFill>
+          <a:blip r:embed="rId3"/>
+          <a:stretch>
+            <a:fillRect/>
+          </a:stretch>
+        </p:blipFill>
+        <p:spPr>
+          <a:xfrm>
+            <a:off x="4391537" y="2257545"/>
+            <a:ext cx="5514463" cy="1219080"/>
+          </a:xfrm>
+          <a:prstGeom prst="rect">
+            <a:avLst/>
+          </a:prstGeom>
+        </p:spPr>
+      </p:pic>
+      <p:pic>
+        <p:nvPicPr>
+          <p:cNvPr id="6" name="Picture 5">
+            <a:extLst>
+              <a:ext uri="{FF2B5EF4-FFF2-40B4-BE49-F238E27FC236}">
+                <a16:creationId xmlns:a16="http://schemas.microsoft.com/office/drawing/2014/main" id="{84509D2B-0C42-4666-83D1-9CA60196A670}"/>
+              </a:ext>
+            </a:extLst>
+          </p:cNvPr>
+          <p:cNvPicPr>
+            <a:picLocks noChangeAspect="1"/>
+          </p:cNvPicPr>
+          <p:nvPr/>
+        </p:nvPicPr>
+        <p:blipFill>
+          <a:blip r:embed="rId4"/>
+          <a:stretch>
+            <a:fillRect/>
+          </a:stretch>
+        </p:blipFill>
+        <p:spPr>
+          <a:xfrm>
+            <a:off x="814769" y="4524264"/>
+            <a:ext cx="4070857" cy="895461"/>
+          </a:xfrm>
+          <a:prstGeom prst="rect">
+            <a:avLst/>
+          </a:prstGeom>
+        </p:spPr>
+      </p:pic>
+      <p:pic>
+        <p:nvPicPr>
+          <p:cNvPr id="7" name="Picture 6">
+            <a:extLst>
+              <a:ext uri="{FF2B5EF4-FFF2-40B4-BE49-F238E27FC236}">
+                <a16:creationId xmlns:a16="http://schemas.microsoft.com/office/drawing/2014/main" id="{5215AE66-1EF4-474E-9F12-0F68B7B0A93C}"/>
+              </a:ext>
+            </a:extLst>
+          </p:cNvPr>
+          <p:cNvPicPr>
+            <a:picLocks noChangeAspect="1"/>
+          </p:cNvPicPr>
+          <p:nvPr/>
+        </p:nvPicPr>
+        <p:blipFill>
+          <a:blip r:embed="rId5"/>
+          <a:stretch>
+            <a:fillRect/>
+          </a:stretch>
+        </p:blipFill>
+        <p:spPr>
+          <a:xfrm>
+            <a:off x="5272507" y="3752850"/>
+            <a:ext cx="6714286" cy="1314286"/>
+          </a:xfrm>
+          <a:prstGeom prst="rect">
+            <a:avLst/>
+          </a:prstGeom>
+        </p:spPr>
+      </p:pic>
+    </p:spTree>
+    <p:extLst>
+      <p:ext uri="{BB962C8B-B14F-4D97-AF65-F5344CB8AC3E}">
+        <p14:creationId xmlns:p14="http://schemas.microsoft.com/office/powerpoint/2010/main" val="2754255932"/>
+      </p:ext>
+    </p:extLst>
+  </p:cSld>
+  <p:clrMapOvr>
+    <a:masterClrMapping/>
+  </p:clrMapOvr>
+</p:sld>
+</file>
+
+<file path=ppt/slides/slide17.xml><?xml version="1.0" encoding="utf-8"?>
+<p:sld xmlns:a="http://schemas.openxmlformats.org/drawingml/2006/main" xmlns:r="http://schemas.openxmlformats.org/officeDocument/2006/relationships" xmlns:p="http://schemas.openxmlformats.org/presentationml/2006/main">
+  <p:cSld>
+    <p:spTree>
+      <p:nvGrpSpPr>
+        <p:cNvPr id="1" name=""/>
+        <p:cNvGrpSpPr/>
+        <p:nvPr/>
+      </p:nvGrpSpPr>
+      <p:grpSpPr>
+        <a:xfrm>
+          <a:off x="0" y="0"/>
+          <a:ext cx="0" cy="0"/>
+          <a:chOff x="0" y="0"/>
+          <a:chExt cx="0" cy="0"/>
+        </a:xfrm>
+      </p:grpSpPr>
+      <p:pic>
+        <p:nvPicPr>
+          <p:cNvPr id="4" name="Picture 3">
+            <a:extLst>
+              <a:ext uri="{FF2B5EF4-FFF2-40B4-BE49-F238E27FC236}">
+                <a16:creationId xmlns:a16="http://schemas.microsoft.com/office/drawing/2014/main" id="{6C8FBF41-491C-4472-86A6-14F236781EC6}"/>
+              </a:ext>
+            </a:extLst>
+          </p:cNvPr>
+          <p:cNvPicPr>
+            <a:picLocks noChangeAspect="1"/>
+          </p:cNvPicPr>
+          <p:nvPr/>
+        </p:nvPicPr>
+        <p:blipFill>
+          <a:blip r:embed="rId2"/>
+          <a:stretch>
+            <a:fillRect/>
+          </a:stretch>
+        </p:blipFill>
+        <p:spPr>
+          <a:xfrm>
+            <a:off x="262600" y="76603"/>
+            <a:ext cx="6146851" cy="3733397"/>
+          </a:xfrm>
+          <a:prstGeom prst="rect">
+            <a:avLst/>
+          </a:prstGeom>
+        </p:spPr>
+      </p:pic>
+    </p:spTree>
+    <p:extLst>
+      <p:ext uri="{BB962C8B-B14F-4D97-AF65-F5344CB8AC3E}">
+        <p14:creationId xmlns:p14="http://schemas.microsoft.com/office/powerpoint/2010/main" val="3801879047"/>
+      </p:ext>
+    </p:extLst>
+  </p:cSld>
+  <p:clrMapOvr>
+    <a:masterClrMapping/>
+  </p:clrMapOvr>
+</p:sld>
+</file>
+
 <file path=ppt/slides/slide2.xml><?xml version="1.0" encoding="utf-8"?>
 <p:sld xmlns:a="http://schemas.openxmlformats.org/drawingml/2006/main" xmlns:r="http://schemas.openxmlformats.org/officeDocument/2006/relationships" xmlns:p="http://schemas.openxmlformats.org/presentationml/2006/main">
   <p:cSld>
